--- a/session 2/Slide/F.Slide 04 - Inheritance.pptx
+++ b/session 2/Slide/F.Slide 04 - Inheritance.pptx
@@ -239,7 +239,7 @@
           <a:p>
             <a:fld id="{DE0637A8-E3CE-8C40-8BCA-1259D26EBD67}" type="datetimeFigureOut">
               <a:rPr lang="en-US" smtClean="0"/>
-              <a:t>7/26/19</a:t>
+              <a:t>8/14/2019</a:t>
             </a:fld>
             <a:endParaRPr lang="en-US"/>
           </a:p>
@@ -1021,7 +1021,7 @@
           <a:p>
             <a:fld id="{F2243C5A-03A2-2D40-ADA5-6D241F2C193D}" type="datetimeFigureOut">
               <a:rPr lang="en-US" smtClean="0"/>
-              <a:t>7/26/19</a:t>
+              <a:t>8/14/2019</a:t>
             </a:fld>
             <a:endParaRPr lang="en-US"/>
           </a:p>
@@ -1187,7 +1187,7 @@
           <a:p>
             <a:fld id="{F2243C5A-03A2-2D40-ADA5-6D241F2C193D}" type="datetimeFigureOut">
               <a:rPr lang="en-US" smtClean="0"/>
-              <a:t>7/26/19</a:t>
+              <a:t>8/14/2019</a:t>
             </a:fld>
             <a:endParaRPr lang="en-US"/>
           </a:p>
@@ -1363,7 +1363,7 @@
           <a:p>
             <a:fld id="{F2243C5A-03A2-2D40-ADA5-6D241F2C193D}" type="datetimeFigureOut">
               <a:rPr lang="en-US" smtClean="0"/>
-              <a:t>7/26/19</a:t>
+              <a:t>8/14/2019</a:t>
             </a:fld>
             <a:endParaRPr lang="en-US"/>
           </a:p>
@@ -1529,7 +1529,7 @@
           <a:p>
             <a:fld id="{F2243C5A-03A2-2D40-ADA5-6D241F2C193D}" type="datetimeFigureOut">
               <a:rPr lang="en-US" smtClean="0"/>
-              <a:t>7/26/19</a:t>
+              <a:t>8/14/2019</a:t>
             </a:fld>
             <a:endParaRPr lang="en-US"/>
           </a:p>
@@ -1771,7 +1771,7 @@
           <a:p>
             <a:fld id="{F2243C5A-03A2-2D40-ADA5-6D241F2C193D}" type="datetimeFigureOut">
               <a:rPr lang="en-US" smtClean="0"/>
-              <a:t>7/26/19</a:t>
+              <a:t>8/14/2019</a:t>
             </a:fld>
             <a:endParaRPr lang="en-US"/>
           </a:p>
@@ -1999,7 +1999,7 @@
           <a:p>
             <a:fld id="{F2243C5A-03A2-2D40-ADA5-6D241F2C193D}" type="datetimeFigureOut">
               <a:rPr lang="en-US" smtClean="0"/>
-              <a:t>7/26/19</a:t>
+              <a:t>8/14/2019</a:t>
             </a:fld>
             <a:endParaRPr lang="en-US"/>
           </a:p>
@@ -2362,7 +2362,7 @@
           <a:p>
             <a:fld id="{F2243C5A-03A2-2D40-ADA5-6D241F2C193D}" type="datetimeFigureOut">
               <a:rPr lang="en-US" smtClean="0"/>
-              <a:t>7/26/19</a:t>
+              <a:t>8/14/2019</a:t>
             </a:fld>
             <a:endParaRPr lang="en-US"/>
           </a:p>
@@ -2476,7 +2476,7 @@
           <a:p>
             <a:fld id="{F2243C5A-03A2-2D40-ADA5-6D241F2C193D}" type="datetimeFigureOut">
               <a:rPr lang="en-US" smtClean="0"/>
-              <a:t>7/26/19</a:t>
+              <a:t>8/14/2019</a:t>
             </a:fld>
             <a:endParaRPr lang="en-US"/>
           </a:p>
@@ -2567,7 +2567,7 @@
           <a:p>
             <a:fld id="{F2243C5A-03A2-2D40-ADA5-6D241F2C193D}" type="datetimeFigureOut">
               <a:rPr lang="en-US" smtClean="0"/>
-              <a:t>7/26/19</a:t>
+              <a:t>8/14/2019</a:t>
             </a:fld>
             <a:endParaRPr lang="en-US"/>
           </a:p>
@@ -2840,7 +2840,7 @@
           <a:p>
             <a:fld id="{F2243C5A-03A2-2D40-ADA5-6D241F2C193D}" type="datetimeFigureOut">
               <a:rPr lang="en-US" smtClean="0"/>
-              <a:t>7/26/19</a:t>
+              <a:t>8/14/2019</a:t>
             </a:fld>
             <a:endParaRPr lang="en-US"/>
           </a:p>
@@ -3093,7 +3093,7 @@
           <a:p>
             <a:fld id="{F2243C5A-03A2-2D40-ADA5-6D241F2C193D}" type="datetimeFigureOut">
               <a:rPr lang="en-US" smtClean="0"/>
-              <a:t>7/26/19</a:t>
+              <a:t>8/14/2019</a:t>
             </a:fld>
             <a:endParaRPr lang="en-US"/>
           </a:p>
@@ -3305,7 +3305,7 @@
           <a:p>
             <a:fld id="{F2243C5A-03A2-2D40-ADA5-6D241F2C193D}" type="datetimeFigureOut">
               <a:rPr lang="en-US" smtClean="0"/>
-              <a:t>7/26/19</a:t>
+              <a:t>8/14/2019</a:t>
             </a:fld>
             <a:endParaRPr lang="en-US"/>
           </a:p>
@@ -4706,11 +4706,7 @@
           <a:p>
             <a:r>
               <a:rPr lang="en-US" noProof="1" smtClean="0"/>
-              <a:t>Method </a:t>
-            </a:r>
-            <a:r>
-              <a:rPr lang="en-US" noProof="1" smtClean="0"/>
-              <a:t>overriding </a:t>
+              <a:t>Method overriding </a:t>
             </a:r>
             <a:r>
               <a:rPr lang="mr-IN" noProof="1" smtClean="0"/>
@@ -5871,11 +5867,7 @@
             </a:r>
             <a:r>
               <a:rPr lang="en-US" sz="2000" noProof="1" smtClean="0"/>
-              <a:t>String GetName</a:t>
-            </a:r>
-            <a:r>
-              <a:rPr lang="en-US" sz="2000" noProof="1" smtClean="0"/>
-              <a:t>() {</a:t>
+              <a:t>String GetName() {</a:t>
             </a:r>
             <a:br>
               <a:rPr lang="en-US" sz="2000" noProof="1" smtClean="0"/>
@@ -5972,11 +5964,7 @@
             </a:r>
             <a:r>
               <a:rPr lang="en-US" sz="2000" noProof="1" smtClean="0"/>
-              <a:t>Geometric </a:t>
-            </a:r>
-            <a:r>
-              <a:rPr lang="en-US" sz="2000" noProof="1" smtClean="0"/>
-              <a:t>{</a:t>
+              <a:t>Geometric {</a:t>
             </a:r>
             <a:br>
               <a:rPr lang="en-US" sz="2000" noProof="1" smtClean="0"/>
@@ -6003,15 +5991,7 @@
             </a:r>
             <a:r>
               <a:rPr lang="en-US" sz="2000" noProof="1" smtClean="0"/>
-              <a:t>String </a:t>
-            </a:r>
-            <a:r>
-              <a:rPr lang="en-US" sz="2000" noProof="1" smtClean="0"/>
-              <a:t>GetName</a:t>
-            </a:r>
-            <a:r>
-              <a:rPr lang="en-US" sz="2000" noProof="1" smtClean="0"/>
-              <a:t>() {</a:t>
+              <a:t>String GetName() {</a:t>
             </a:r>
             <a:br>
               <a:rPr lang="en-US" sz="2000" noProof="1" smtClean="0"/>
@@ -6122,15 +6102,7 @@
             </a:br>
             <a:r>
               <a:rPr lang="en-US" sz="2000" noProof="1" smtClean="0"/>
-              <a:t>    </a:t>
-            </a:r>
-            <a:r>
-              <a:rPr lang="en-US" sz="2000" noProof="1" smtClean="0"/>
-              <a:t>Console.WriteLine(geoObj.GetName</a:t>
-            </a:r>
-            <a:r>
-              <a:rPr lang="en-US" sz="2000" noProof="1" smtClean="0"/>
-              <a:t>());</a:t>
+              <a:t>    Console.WriteLine(geoObj.GetName());</a:t>
             </a:r>
             <a:br>
               <a:rPr lang="en-US" sz="2000" noProof="1" smtClean="0"/>
@@ -6164,15 +6136,7 @@
             </a:br>
             <a:r>
               <a:rPr lang="en-US" sz="2000" noProof="1" smtClean="0"/>
-              <a:t>    </a:t>
-            </a:r>
-            <a:r>
-              <a:rPr lang="en-US" sz="2000" noProof="1" smtClean="0"/>
-              <a:t>Console.WriteLine(rectObj.GetName</a:t>
-            </a:r>
-            <a:r>
-              <a:rPr lang="en-US" sz="2000" noProof="1" smtClean="0"/>
-              <a:t>());</a:t>
+              <a:t>    Console.WriteLine(rectObj.GetName());</a:t>
             </a:r>
             <a:br>
               <a:rPr lang="en-US" sz="2000" noProof="1" smtClean="0"/>
@@ -6281,42 +6245,30 @@
           <a:p>
             <a:r>
               <a:rPr lang="en-US" noProof="1" smtClean="0"/>
-              <a:t>Từ khoá </a:t>
-            </a:r>
+              <a:t>Từ khoá base</a:t>
+            </a:r>
+            <a:endParaRPr lang="en-US" noProof="1"/>
+          </a:p>
+        </p:txBody>
+      </p:sp>
+      <p:sp>
+        <p:nvSpPr>
+          <p:cNvPr id="3" name="Content Placeholder 2"/>
+          <p:cNvSpPr>
+            <a:spLocks noGrp="1"/>
+          </p:cNvSpPr>
+          <p:nvPr>
+            <p:ph idx="1"/>
+          </p:nvPr>
+        </p:nvSpPr>
+        <p:spPr/>
+        <p:txBody>
+          <a:bodyPr/>
+          <a:lstStyle/>
+          <a:p>
             <a:r>
               <a:rPr lang="en-US" noProof="1" smtClean="0"/>
-              <a:t>base</a:t>
-            </a:r>
-            <a:endParaRPr lang="en-US" noProof="1"/>
-          </a:p>
-        </p:txBody>
-      </p:sp>
-      <p:sp>
-        <p:nvSpPr>
-          <p:cNvPr id="3" name="Content Placeholder 2"/>
-          <p:cNvSpPr>
-            <a:spLocks noGrp="1"/>
-          </p:cNvSpPr>
-          <p:nvPr>
-            <p:ph idx="1"/>
-          </p:nvPr>
-        </p:nvSpPr>
-        <p:spPr/>
-        <p:txBody>
-          <a:bodyPr/>
-          <a:lstStyle/>
-          <a:p>
-            <a:r>
-              <a:rPr lang="en-US" noProof="1" smtClean="0"/>
-              <a:t>Từ khoá </a:t>
-            </a:r>
-            <a:r>
-              <a:rPr lang="en-US" noProof="1" smtClean="0"/>
-              <a:t>base được </a:t>
-            </a:r>
-            <a:r>
-              <a:rPr lang="en-US" noProof="1" smtClean="0"/>
-              <a:t>sử dụng ở lớp con để gọi đến constructor hoặc phương thức của lớp cha</a:t>
+              <a:t>Từ khoá base được sử dụng ở lớp con để gọi đến constructor hoặc phương thức của lớp cha</a:t>
             </a:r>
           </a:p>
           <a:p>
@@ -6518,11 +6470,7 @@
             </a:r>
             <a:r>
               <a:rPr lang="en-US" sz="2000" noProof="1" smtClean="0"/>
-              <a:t>Geometric </a:t>
-            </a:r>
-            <a:r>
-              <a:rPr lang="en-US" sz="2000" noProof="1" smtClean="0"/>
-              <a:t>{</a:t>
+              <a:t>Geometric {</a:t>
             </a:r>
             <a:br>
               <a:rPr lang="en-US" sz="2000" noProof="1" smtClean="0"/>
@@ -6633,29 +6581,17 @@
             </a:r>
             <a:r>
               <a:rPr lang="en-US" sz="2000" noProof="1" smtClean="0"/>
-              <a:t>height</a:t>
+              <a:t>height):</a:t>
+            </a:r>
+          </a:p>
+          <a:p>
+            <a:r>
+              <a:rPr lang="en-US" sz="2000" noProof="1"/>
+              <a:t> </a:t>
             </a:r>
             <a:r>
               <a:rPr lang="en-US" sz="2000" noProof="1" smtClean="0"/>
-              <a:t>):</a:t>
-            </a:r>
-          </a:p>
-          <a:p>
-            <a:r>
-              <a:rPr lang="en-US" sz="2000" noProof="1"/>
-              <a:t> </a:t>
-            </a:r>
-            <a:r>
-              <a:rPr lang="en-US" sz="2000" noProof="1" smtClean="0"/>
-              <a:t>   base(name)</a:t>
-            </a:r>
-            <a:r>
-              <a:rPr lang="en-US" sz="2000" noProof="1" smtClean="0"/>
-              <a:t> {</a:t>
-            </a:r>
-            <a:r>
-              <a:rPr lang="en-US" sz="2000" noProof="1" smtClean="0"/>
-              <a:t/>
+              <a:t>   base(name) {</a:t>
             </a:r>
             <a:br>
               <a:rPr lang="en-US" sz="2000" noProof="1" smtClean="0"/>
@@ -6906,7 +6842,7 @@
         <p:spPr/>
         <p:txBody>
           <a:bodyPr>
-            <a:normAutofit/>
+            <a:normAutofit fontScale="90000"/>
           </a:bodyPr>
           <a:lstStyle/>
           <a:p>
@@ -7142,71 +7078,42 @@
           <a:p>
             <a:r>
               <a:rPr lang="en-US" noProof="1" smtClean="0"/>
-              <a:t>Lớp Object và phương thức </a:t>
-            </a:r>
+              <a:t>Lớp Object và phương thức ToString()</a:t>
+            </a:r>
+            <a:endParaRPr lang="en-US" noProof="1"/>
+          </a:p>
+        </p:txBody>
+      </p:sp>
+      <p:sp>
+        <p:nvSpPr>
+          <p:cNvPr id="3" name="Content Placeholder 2"/>
+          <p:cNvSpPr>
+            <a:spLocks noGrp="1"/>
+          </p:cNvSpPr>
+          <p:nvPr>
+            <p:ph idx="1"/>
+          </p:nvPr>
+        </p:nvSpPr>
+        <p:spPr/>
+        <p:txBody>
+          <a:bodyPr/>
+          <a:lstStyle/>
+          <a:p>
             <a:r>
               <a:rPr lang="en-US" noProof="1" smtClean="0"/>
-              <a:t>ToString</a:t>
-            </a:r>
+              <a:t>Lớp Object là lớp gốc của tất cả các lớp trong C#</a:t>
+            </a:r>
+          </a:p>
+          <a:p>
             <a:r>
               <a:rPr lang="en-US" noProof="1" smtClean="0"/>
-              <a:t>()</a:t>
-            </a:r>
-            <a:endParaRPr lang="en-US" noProof="1"/>
-          </a:p>
-        </p:txBody>
-      </p:sp>
-      <p:sp>
-        <p:nvSpPr>
-          <p:cNvPr id="3" name="Content Placeholder 2"/>
-          <p:cNvSpPr>
-            <a:spLocks noGrp="1"/>
-          </p:cNvSpPr>
-          <p:nvPr>
-            <p:ph idx="1"/>
-          </p:nvPr>
-        </p:nvSpPr>
-        <p:spPr/>
-        <p:txBody>
-          <a:bodyPr/>
-          <a:lstStyle/>
+              <a:t>Tất cả các lớp trong C# đều kế thừa từ lớp Object</a:t>
+            </a:r>
+          </a:p>
           <a:p>
             <a:r>
               <a:rPr lang="en-US" noProof="1" smtClean="0"/>
-              <a:t>Lớp Object là lớp gốc của tất cả các lớp trong </a:t>
-            </a:r>
-            <a:r>
-              <a:rPr lang="en-US" noProof="1" smtClean="0"/>
-              <a:t>C#</a:t>
-            </a:r>
-            <a:endParaRPr lang="en-US" noProof="1" smtClean="0"/>
-          </a:p>
-          <a:p>
-            <a:r>
-              <a:rPr lang="en-US" noProof="1" smtClean="0"/>
-              <a:t>Tất cả các lớp trong </a:t>
-            </a:r>
-            <a:r>
-              <a:rPr lang="en-US" noProof="1" smtClean="0"/>
-              <a:t>C# đều </a:t>
-            </a:r>
-            <a:r>
-              <a:rPr lang="en-US" noProof="1" smtClean="0"/>
-              <a:t>kế thừa từ lớp Object</a:t>
-            </a:r>
-          </a:p>
-          <a:p>
-            <a:r>
-              <a:rPr lang="en-US" noProof="1" smtClean="0"/>
-              <a:t>Lớp Object có một phương thức được sử dụng thông dụng đó là </a:t>
-            </a:r>
-            <a:r>
-              <a:rPr lang="en-US" noProof="1" smtClean="0"/>
-              <a:t>ToString</a:t>
-            </a:r>
-            <a:r>
-              <a:rPr lang="en-US" noProof="1" smtClean="0"/>
-              <a:t>(): Trả về một chuỗi mô tả đối tượng</a:t>
+              <a:t>Lớp Object có một phương thức được sử dụng thông dụng đó là ToString(): Trả về một chuỗi mô tả đối tượng</a:t>
             </a:r>
           </a:p>
           <a:p>
@@ -7254,24 +7161,11 @@
                 </a:solidFill>
                 <a:effectLst/>
               </a:rPr>
-              <a:t>public </a:t>
-            </a:r>
-            <a:r>
-              <a:rPr lang="en-US" sz="2400" b="1" noProof="1" smtClean="0">
-                <a:solidFill>
-                  <a:srgbClr val="000080"/>
-                </a:solidFill>
-                <a:effectLst/>
-              </a:rPr>
-              <a:t>virtual </a:t>
+              <a:t>public virtual </a:t>
             </a:r>
             <a:r>
               <a:rPr lang="en-US" sz="2400" noProof="1" smtClean="0"/>
-              <a:t>String ToString</a:t>
-            </a:r>
-            <a:r>
-              <a:rPr lang="en-US" sz="2400" noProof="1" smtClean="0"/>
-              <a:t>()</a:t>
+              <a:t>String ToString()</a:t>
             </a:r>
             <a:endParaRPr lang="en-US" sz="2400" noProof="1"/>
           </a:p>
@@ -7300,11 +7194,7 @@
           <a:p>
             <a:r>
               <a:rPr lang="en-US" sz="2400" noProof="1" smtClean="0"/>
-              <a:t>Console.WriteLine(circle.ToString</a:t>
-            </a:r>
-            <a:r>
-              <a:rPr lang="en-US" sz="2400" noProof="1" smtClean="0"/>
-              <a:t>());</a:t>
+              <a:t>Console.WriteLine(circle.ToString());</a:t>
             </a:r>
             <a:endParaRPr lang="en-US" sz="2400" noProof="1"/>
           </a:p>
@@ -7468,46 +7358,30 @@
           <a:p>
             <a:r>
               <a:rPr lang="en-US" noProof="1" smtClean="0"/>
-              <a:t>Override phương thức </a:t>
-            </a:r>
+              <a:t>Override phương thức ToString()</a:t>
+            </a:r>
+            <a:endParaRPr lang="en-US" noProof="1"/>
+          </a:p>
+        </p:txBody>
+      </p:sp>
+      <p:sp>
+        <p:nvSpPr>
+          <p:cNvPr id="3" name="Content Placeholder 2"/>
+          <p:cNvSpPr>
+            <a:spLocks noGrp="1"/>
+          </p:cNvSpPr>
+          <p:nvPr>
+            <p:ph idx="1"/>
+          </p:nvPr>
+        </p:nvSpPr>
+        <p:spPr/>
+        <p:txBody>
+          <a:bodyPr/>
+          <a:lstStyle/>
+          <a:p>
             <a:r>
               <a:rPr lang="en-US" noProof="1" smtClean="0"/>
-              <a:t>ToString</a:t>
-            </a:r>
-            <a:r>
-              <a:rPr lang="en-US" noProof="1" smtClean="0"/>
-              <a:t>()</a:t>
-            </a:r>
-            <a:endParaRPr lang="en-US" noProof="1"/>
-          </a:p>
-        </p:txBody>
-      </p:sp>
-      <p:sp>
-        <p:nvSpPr>
-          <p:cNvPr id="3" name="Content Placeholder 2"/>
-          <p:cNvSpPr>
-            <a:spLocks noGrp="1"/>
-          </p:cNvSpPr>
-          <p:nvPr>
-            <p:ph idx="1"/>
-          </p:nvPr>
-        </p:nvSpPr>
-        <p:spPr/>
-        <p:txBody>
-          <a:bodyPr/>
-          <a:lstStyle/>
-          <a:p>
-            <a:r>
-              <a:rPr lang="en-US" noProof="1" smtClean="0"/>
-              <a:t>Các lớp có thể ghi đè phương thức </a:t>
-            </a:r>
-            <a:r>
-              <a:rPr lang="en-US" noProof="1" smtClean="0"/>
-              <a:t>ToString</a:t>
-            </a:r>
-            <a:r>
-              <a:rPr lang="en-US" noProof="1" smtClean="0"/>
-              <a:t>() để mô tả đối tượng tốt hơn</a:t>
+              <a:t>Các lớp có thể ghi đè phương thức ToString() để mô tả đối tượng tốt hơn</a:t>
             </a:r>
           </a:p>
           <a:p>
@@ -7698,24 +7572,11 @@
                 </a:solidFill>
                 <a:effectLst/>
               </a:rPr>
-              <a:t>public </a:t>
-            </a:r>
-            <a:r>
-              <a:rPr lang="en-US" sz="2400" b="1" noProof="1" smtClean="0">
-                <a:solidFill>
-                  <a:srgbClr val="000080"/>
-                </a:solidFill>
-                <a:effectLst/>
-              </a:rPr>
-              <a:t>override </a:t>
+              <a:t>public override </a:t>
             </a:r>
             <a:r>
               <a:rPr lang="en-US" sz="2400" noProof="1" smtClean="0"/>
-              <a:t>String ToString</a:t>
-            </a:r>
-            <a:r>
-              <a:rPr lang="en-US" sz="2400" noProof="1" smtClean="0"/>
-              <a:t>() {</a:t>
+              <a:t>String ToString() {</a:t>
             </a:r>
             <a:br>
               <a:rPr lang="en-US" sz="2400" noProof="1" smtClean="0"/>
@@ -7869,7 +7730,6 @@
               <a:rPr lang="en-US" dirty="0" smtClean="0"/>
               <a:t>Polymorphism</a:t>
             </a:r>
-            <a:endParaRPr lang="en-US" dirty="0" smtClean="0"/>
           </a:p>
         </p:txBody>
       </p:sp>
@@ -8408,25 +8268,15 @@
             <a:pPr lvl="1"/>
             <a:r>
               <a:rPr lang="en-US" noProof="1" smtClean="0"/>
-              <a:t>Implicit casting (ép kiểu ngầm định): </a:t>
-            </a:r>
+              <a:t>Implicit casting (ép kiểu ngầm định): không cần cú pháp ép kiểu, vì nó là luôn đúng, ép từ liểu con về kiểu base.</a:t>
+            </a:r>
+          </a:p>
+          <a:p>
+            <a:pPr lvl="1"/>
             <a:r>
               <a:rPr lang="en-US" noProof="1" smtClean="0"/>
-              <a:t>không cần cú pháp ép kiểu, vì nó là luôn đúng, ép từ liểu con về kiểu base.</a:t>
-            </a:r>
-            <a:endParaRPr lang="en-US" noProof="1" smtClean="0"/>
-          </a:p>
-          <a:p>
-            <a:pPr lvl="1"/>
-            <a:r>
-              <a:rPr lang="en-US" noProof="1" smtClean="0"/>
-              <a:t>Explicit casting (ép kiểu tường minh): Ép từ </a:t>
-            </a:r>
-            <a:r>
-              <a:rPr lang="en-US" noProof="1" smtClean="0"/>
-              <a:t> base xuống kiểu con</a:t>
-            </a:r>
-            <a:endParaRPr lang="en-US" noProof="1" smtClean="0"/>
+              <a:t>Explicit casting (ép kiểu tường minh): Ép từ  base xuống kiểu con</a:t>
+            </a:r>
           </a:p>
           <a:p>
             <a:r>
@@ -9028,11 +8878,7 @@
             </a:br>
             <a:r>
               <a:rPr lang="en-US" sz="2400" noProof="1" smtClean="0"/>
-              <a:t>    </a:t>
-            </a:r>
-            <a:r>
-              <a:rPr lang="en-US" sz="2400" noProof="1" smtClean="0"/>
-              <a:t>Console.WriteLine(</a:t>
+              <a:t>    Console.WriteLine(</a:t>
             </a:r>
             <a:r>
               <a:rPr lang="en-US" sz="2400" b="1" noProof="1" smtClean="0">
@@ -9041,16 +8887,7 @@
                 </a:solidFill>
                 <a:effectLst/>
               </a:rPr>
-              <a:t>"</a:t>
-            </a:r>
-            <a:r>
-              <a:rPr lang="en-US" sz="2400" b="1" noProof="1" smtClean="0">
-                <a:solidFill>
-                  <a:srgbClr val="008000"/>
-                </a:solidFill>
-                <a:effectLst/>
-              </a:rPr>
-              <a:t>The circle diameter is " </a:t>
+              <a:t>"The circle diameter is " </a:t>
             </a:r>
             <a:r>
               <a:rPr lang="en-US" sz="2400" noProof="1" smtClean="0"/>
@@ -9162,11 +8999,7 @@
           <a:p>
             <a:r>
               <a:rPr lang="en-US" noProof="1" smtClean="0"/>
-              <a:t>Toán tử </a:t>
-            </a:r>
-            <a:r>
-              <a:rPr lang="en-US" noProof="1" smtClean="0"/>
-              <a:t> typeof, GetType, is</a:t>
+              <a:t>Toán tử  typeof, GetType, is</a:t>
             </a:r>
             <a:endParaRPr lang="en-US" noProof="1"/>
           </a:p>
@@ -9309,7 +9142,6 @@
               <a:rPr lang="en-US" dirty="0"/>
               <a:t>sealed</a:t>
             </a:r>
-            <a:endParaRPr lang="en-US" dirty="0"/>
           </a:p>
         </p:txBody>
       </p:sp>
@@ -9542,12 +9374,29 @@
             </a:r>
             <a:r>
               <a:rPr lang="en-US" noProof="1" smtClean="0"/>
-              <a:t>áp </a:t>
+              <a:t>áp dụng cho lớp </a:t>
+            </a:r>
+            <a:r>
+              <a:rPr lang="en-US" noProof="1"/>
+              <a:t>ngăn ngừa kế thừa việc kế thừa và </a:t>
             </a:r>
             <a:r>
               <a:rPr lang="en-US" noProof="1" smtClean="0"/>
-              <a:t>dụng cho lớp và phương thức để ngăn ngừa việc kế thừa và ghi đè phương thức</a:t>
-            </a:r>
+              <a:t>phương thức để ngăn ngừa </a:t>
+            </a:r>
+            <a:r>
+              <a:rPr lang="en-US" noProof="1" smtClean="0"/>
+              <a:t>việc </a:t>
+            </a:r>
+            <a:r>
+              <a:rPr lang="en-US" noProof="1" smtClean="0"/>
+              <a:t>ghi đè </a:t>
+            </a:r>
+            <a:r>
+              <a:rPr lang="en-US" noProof="1" smtClean="0"/>
+              <a:t>(Override)</a:t>
+            </a:r>
+            <a:endParaRPr lang="en-US" noProof="1" smtClean="0"/>
           </a:p>
           <a:p>
             <a:r>
@@ -9831,11 +9680,7 @@
           <a:p>
             <a:r>
               <a:rPr lang="en-US" noProof="1" smtClean="0"/>
-              <a:t>C# không </a:t>
-            </a:r>
-            <a:r>
-              <a:rPr lang="en-US" noProof="1" smtClean="0"/>
-              <a:t>hỗ trợ đa kế thừa</a:t>
+              <a:t>C# không hỗ trợ đa kế thừa</a:t>
             </a:r>
           </a:p>
           <a:p>
@@ -9849,11 +9694,7 @@
             </a:r>
             <a:r>
               <a:rPr lang="en-US" noProof="1" smtClean="0"/>
-              <a:t>được </a:t>
-            </a:r>
-            <a:r>
-              <a:rPr lang="en-US" noProof="1" smtClean="0"/>
-              <a:t>sử dụng để ngăn chặn việc kế thừa từ một lớp và việc ghi đè phương thức</a:t>
+              <a:t>được sử dụng để ngăn chặn việc kế thừa từ một lớp và việc ghi đè phương thức</a:t>
             </a:r>
             <a:endParaRPr lang="en-US" noProof="1"/>
           </a:p>
@@ -9866,26 +9707,13 @@
           <a:p>
             <a:r>
               <a:rPr lang="en-US" noProof="1" smtClean="0"/>
-              <a:t>Lớp Object là lớp cha của tất cả các lớp trong </a:t>
-            </a:r>
+              <a:t>Lớp Object là lớp cha của tất cả các lớp trong C#</a:t>
+            </a:r>
+          </a:p>
+          <a:p>
             <a:r>
               <a:rPr lang="en-US" noProof="1" smtClean="0"/>
-              <a:t>C#</a:t>
-            </a:r>
-            <a:endParaRPr lang="en-US" noProof="1" smtClean="0"/>
-          </a:p>
-          <a:p>
-            <a:r>
-              <a:rPr lang="en-US" noProof="1" smtClean="0"/>
-              <a:t>Phương thức </a:t>
-            </a:r>
-            <a:r>
-              <a:rPr lang="en-US" noProof="1" smtClean="0"/>
-              <a:t>ToString</a:t>
-            </a:r>
-            <a:r>
-              <a:rPr lang="en-US" noProof="1" smtClean="0"/>
-              <a:t>() được sử dụng để trả về một chuỗi mô tả đối tượng</a:t>
+              <a:t>Phương thức ToString() được sử dụng để trả về một chuỗi mô tả đối tượng</a:t>
             </a:r>
             <a:endParaRPr lang="en-US" noProof="1"/>
           </a:p>
@@ -10376,40 +10204,19 @@
           <a:p>
             <a:r>
               <a:rPr lang="en-US" noProof="1" smtClean="0"/>
-              <a:t>Lớp được kế thừa gọi là lớp cha </a:t>
-            </a:r>
+              <a:t>Lớp được kế thừa gọi là lớp cha (parent class) hoặc lớp cơ sở (base class)</a:t>
+            </a:r>
+          </a:p>
+          <a:p>
             <a:r>
               <a:rPr lang="en-US" noProof="1" smtClean="0"/>
-              <a:t>(parent </a:t>
-            </a:r>
+              <a:t>Lớp kế thừa gọi là lớp con (child class) hoặc lớp dẫn xuất (derived class) </a:t>
+            </a:r>
+          </a:p>
+          <a:p>
             <a:r>
               <a:rPr lang="en-US" noProof="1" smtClean="0"/>
-              <a:t>class) hoặc lớp cơ sở (base </a:t>
-            </a:r>
-            <a:r>
-              <a:rPr lang="en-US" noProof="1" smtClean="0"/>
-              <a:t>class)</a:t>
-            </a:r>
-          </a:p>
-          <a:p>
-            <a:r>
-              <a:rPr lang="en-US" noProof="1" smtClean="0"/>
-              <a:t>Lớp </a:t>
-            </a:r>
-            <a:r>
-              <a:rPr lang="en-US" noProof="1" smtClean="0"/>
-              <a:t>kế thừa gọi là lớp con (child class) hoặc lớp dẫn xuất (derived class) </a:t>
-            </a:r>
-            <a:endParaRPr lang="en-US" noProof="1" smtClean="0"/>
-          </a:p>
-          <a:p>
-            <a:r>
-              <a:rPr lang="en-US" noProof="1" smtClean="0"/>
-              <a:t>Lớp </a:t>
-            </a:r>
-            <a:r>
-              <a:rPr lang="en-US" noProof="1" smtClean="0"/>
-              <a:t>con kế thừa tất cả các thành phần của lớp cha, ngoại trừ các thành phần được khai báo là </a:t>
+              <a:t>Lớp con kế thừa tất cả các thành phần của lớp cha, ngoại trừ các thành phần được khai báo là </a:t>
             </a:r>
             <a:r>
               <a:rPr lang="en-US" i="1" noProof="1" smtClean="0"/>
@@ -10437,17 +10244,8 @@
           <a:p>
             <a:r>
               <a:rPr lang="en-US" noProof="1" smtClean="0"/>
-              <a:t>C# không </a:t>
-            </a:r>
-            <a:r>
-              <a:rPr lang="en-US" noProof="1" smtClean="0"/>
-              <a:t>cho phép đa kế thừa (một lớp kế thừa nhiều lớp cha</a:t>
-            </a:r>
-            <a:r>
-              <a:rPr lang="en-US" noProof="1" smtClean="0"/>
-              <a:t>), tuy nhiên bạn có thể sử dụng Interface để triển khai đa kế thừa</a:t>
-            </a:r>
-            <a:endParaRPr lang="en-US" noProof="1" smtClean="0"/>
+              <a:t>C# không cho phép đa kế thừa (một lớp kế thừa nhiều lớp cha), tuy nhiên bạn có thể sử dụng Interface để triển khai đa kế thừa</a:t>
+            </a:r>
           </a:p>
         </p:txBody>
       </p:sp>
@@ -10717,11 +10515,7 @@
             </a:pPr>
             <a:r>
               <a:rPr lang="en-US" noProof="1" smtClean="0"/>
-              <a:t>Trong </a:t>
-            </a:r>
-            <a:r>
-              <a:rPr lang="en-US" noProof="1" smtClean="0"/>
-              <a:t>đó: </a:t>
+              <a:t>Trong đó: </a:t>
             </a:r>
           </a:p>
           <a:p>
@@ -10736,11 +10530,7 @@
             </a:r>
             <a:r>
               <a:rPr lang="en-US" noProof="1" smtClean="0"/>
-              <a:t> </a:t>
-            </a:r>
-            <a:r>
-              <a:rPr lang="en-US" noProof="1" smtClean="0"/>
-              <a:t>là tên của lớp con</a:t>
+              <a:t> là tên của lớp con</a:t>
             </a:r>
           </a:p>
           <a:p>
@@ -10755,11 +10545,7 @@
             </a:r>
             <a:r>
               <a:rPr lang="en-US" noProof="1" smtClean="0"/>
-              <a:t> </a:t>
-            </a:r>
-            <a:r>
-              <a:rPr lang="en-US" noProof="1" smtClean="0"/>
-              <a:t>là tên của lớp cha</a:t>
+              <a:t> là tên của lớp cha</a:t>
             </a:r>
           </a:p>
         </p:txBody>
@@ -10807,15 +10593,7 @@
                   <a:schemeClr val="accent1"/>
                 </a:solidFill>
               </a:rPr>
-              <a:t>-specifier&gt;</a:t>
-            </a:r>
-            <a:r>
-              <a:rPr lang="en-US" sz="2400" dirty="0">
-                <a:solidFill>
-                  <a:schemeClr val="accent1"/>
-                </a:solidFill>
-              </a:rPr>
-              <a:t> </a:t>
+              <a:t>-specifier&gt; </a:t>
             </a:r>
             <a:r>
               <a:rPr lang="en-US" sz="2400" dirty="0"/>
@@ -10843,15 +10621,7 @@
                   <a:schemeClr val="accent1"/>
                 </a:solidFill>
               </a:rPr>
-              <a:t>&gt;</a:t>
-            </a:r>
-            <a:r>
-              <a:rPr lang="en-US" sz="2400" dirty="0">
-                <a:solidFill>
-                  <a:schemeClr val="accent1"/>
-                </a:solidFill>
-              </a:rPr>
-              <a:t> </a:t>
+              <a:t>&gt; </a:t>
             </a:r>
             <a:endParaRPr lang="en-US" sz="2400" dirty="0" smtClean="0">
               <a:solidFill>
@@ -10913,15 +10683,7 @@
                   <a:schemeClr val="accent1"/>
                 </a:solidFill>
               </a:rPr>
-              <a:t>&gt;</a:t>
-            </a:r>
-            <a:r>
-              <a:rPr lang="en-US" sz="2400" dirty="0">
-                <a:solidFill>
-                  <a:schemeClr val="accent1"/>
-                </a:solidFill>
-              </a:rPr>
-              <a:t> </a:t>
+              <a:t>&gt; </a:t>
             </a:r>
             <a:r>
               <a:rPr lang="en-US" sz="2400" dirty="0"/>
@@ -10949,15 +10711,7 @@
                   <a:schemeClr val="accent1"/>
                 </a:solidFill>
               </a:rPr>
-              <a:t>&gt;</a:t>
-            </a:r>
-            <a:r>
-              <a:rPr lang="en-US" sz="2400" dirty="0">
-                <a:solidFill>
-                  <a:schemeClr val="accent1"/>
-                </a:solidFill>
-              </a:rPr>
-              <a:t> </a:t>
+              <a:t>&gt; </a:t>
             </a:r>
             <a:endParaRPr lang="en-US" sz="2400" dirty="0" smtClean="0">
               <a:solidFill>
